--- a/LoRa Mesh/AlignTrack/SchoolProj/Deconfliction of LoRa Packets Using AlignTrack with Various Windowing Techniques.pptx
+++ b/LoRa Mesh/AlignTrack/SchoolProj/Deconfliction of LoRa Packets Using AlignTrack with Various Windowing Techniques.pptx
@@ -243,7 +243,7 @@
           <a:p>
             <a:fld id="{0DC994AA-C437-4EF4-8BEF-0B832D7FA420}" type="datetimeFigureOut">
               <a:rPr lang="en-US" smtClean="0"/>
-              <a:t>12/1/2024</a:t>
+              <a:t>12/2/2024</a:t>
             </a:fld>
             <a:endParaRPr lang="en-US"/>
           </a:p>
@@ -379,7 +379,7 @@
           <a:p>
             <a:fld id="{38B16356-3B28-4AAF-8099-7941810E2475}" type="datetimeFigureOut">
               <a:rPr lang="en-US" smtClean="0"/>
-              <a:t>12/1/2024</a:t>
+              <a:t>12/2/2024</a:t>
             </a:fld>
             <a:endParaRPr lang="en-US"/>
           </a:p>
@@ -2050,7 +2050,7 @@
           <a:p>
             <a:fld id="{D6D8061D-18C3-4F4F-85EF-561633F58754}" type="datetimeFigureOut">
               <a:rPr lang="en-US" smtClean="0"/>
-              <a:t>12/1/2024</a:t>
+              <a:t>12/2/2024</a:t>
             </a:fld>
             <a:endParaRPr lang="en-US"/>
           </a:p>
@@ -2248,7 +2248,7 @@
           <a:p>
             <a:fld id="{D6D8061D-18C3-4F4F-85EF-561633F58754}" type="datetimeFigureOut">
               <a:rPr lang="en-US" smtClean="0"/>
-              <a:t>12/1/2024</a:t>
+              <a:t>12/2/2024</a:t>
             </a:fld>
             <a:endParaRPr lang="en-US"/>
           </a:p>
@@ -2456,7 +2456,7 @@
           <a:p>
             <a:fld id="{D6D8061D-18C3-4F4F-85EF-561633F58754}" type="datetimeFigureOut">
               <a:rPr lang="en-US" smtClean="0"/>
-              <a:t>12/1/2024</a:t>
+              <a:t>12/2/2024</a:t>
             </a:fld>
             <a:endParaRPr lang="en-US"/>
           </a:p>
@@ -3307,7 +3307,7 @@
           <a:p>
             <a:fld id="{D6D8061D-18C3-4F4F-85EF-561633F58754}" type="datetimeFigureOut">
               <a:rPr lang="en-US" smtClean="0"/>
-              <a:t>12/1/2024</a:t>
+              <a:t>12/2/2024</a:t>
             </a:fld>
             <a:endParaRPr lang="en-US"/>
           </a:p>
@@ -4012,7 +4012,7 @@
           <a:p>
             <a:fld id="{D6D8061D-18C3-4F4F-85EF-561633F58754}" type="datetimeFigureOut">
               <a:rPr lang="en-US" smtClean="0"/>
-              <a:t>12/1/2024</a:t>
+              <a:t>12/2/2024</a:t>
             </a:fld>
             <a:endParaRPr lang="en-US"/>
           </a:p>
@@ -4243,7 +4243,7 @@
           <a:p>
             <a:fld id="{D6D8061D-18C3-4F4F-85EF-561633F58754}" type="datetimeFigureOut">
               <a:rPr lang="en-US" smtClean="0"/>
-              <a:t>12/1/2024</a:t>
+              <a:t>12/2/2024</a:t>
             </a:fld>
             <a:endParaRPr lang="en-US"/>
           </a:p>
@@ -4518,7 +4518,7 @@
           <a:p>
             <a:fld id="{D6D8061D-18C3-4F4F-85EF-561633F58754}" type="datetimeFigureOut">
               <a:rPr lang="en-US" smtClean="0"/>
-              <a:t>12/1/2024</a:t>
+              <a:t>12/2/2024</a:t>
             </a:fld>
             <a:endParaRPr lang="en-US"/>
           </a:p>
@@ -4784,7 +4784,7 @@
           <a:p>
             <a:fld id="{D6D8061D-18C3-4F4F-85EF-561633F58754}" type="datetimeFigureOut">
               <a:rPr lang="en-US" smtClean="0"/>
-              <a:t>12/1/2024</a:t>
+              <a:t>12/2/2024</a:t>
             </a:fld>
             <a:endParaRPr lang="en-US"/>
           </a:p>
@@ -5201,7 +5201,7 @@
           <a:p>
             <a:fld id="{D6D8061D-18C3-4F4F-85EF-561633F58754}" type="datetimeFigureOut">
               <a:rPr lang="en-US" smtClean="0"/>
-              <a:t>12/1/2024</a:t>
+              <a:t>12/2/2024</a:t>
             </a:fld>
             <a:endParaRPr lang="en-US"/>
           </a:p>
@@ -5342,7 +5342,7 @@
           <a:p>
             <a:fld id="{D6D8061D-18C3-4F4F-85EF-561633F58754}" type="datetimeFigureOut">
               <a:rPr lang="en-US" smtClean="0"/>
-              <a:t>12/1/2024</a:t>
+              <a:t>12/2/2024</a:t>
             </a:fld>
             <a:endParaRPr lang="en-US"/>
           </a:p>
@@ -5455,7 +5455,7 @@
           <a:p>
             <a:fld id="{D6D8061D-18C3-4F4F-85EF-561633F58754}" type="datetimeFigureOut">
               <a:rPr lang="en-US" smtClean="0"/>
-              <a:t>12/1/2024</a:t>
+              <a:t>12/2/2024</a:t>
             </a:fld>
             <a:endParaRPr lang="en-US"/>
           </a:p>
@@ -5766,7 +5766,7 @@
           <a:p>
             <a:fld id="{D6D8061D-18C3-4F4F-85EF-561633F58754}" type="datetimeFigureOut">
               <a:rPr lang="en-US" smtClean="0"/>
-              <a:t>12/1/2024</a:t>
+              <a:t>12/2/2024</a:t>
             </a:fld>
             <a:endParaRPr lang="en-US"/>
           </a:p>
@@ -6057,7 +6057,7 @@
           <a:p>
             <a:fld id="{D6D8061D-18C3-4F4F-85EF-561633F58754}" type="datetimeFigureOut">
               <a:rPr lang="en-US" smtClean="0"/>
-              <a:t>12/1/2024</a:t>
+              <a:t>12/2/2024</a:t>
             </a:fld>
             <a:endParaRPr lang="en-US"/>
           </a:p>
@@ -6616,7 +6616,7 @@
           <a:p>
             <a:fld id="{D6D8061D-18C3-4F4F-85EF-561633F58754}" type="datetimeFigureOut">
               <a:rPr lang="en-US" smtClean="0"/>
-              <a:t>12/1/2024</a:t>
+              <a:t>12/2/2024</a:t>
             </a:fld>
             <a:endParaRPr lang="en-US"/>
           </a:p>
@@ -8477,7 +8477,7 @@
         </p:spPr>
         <p:txBody>
           <a:bodyPr vert="horz" lIns="91440" tIns="45720" rIns="91440" bIns="45720" rtlCol="0" anchor="t">
-            <a:normAutofit fontScale="85000" lnSpcReduction="10000"/>
+            <a:normAutofit fontScale="92500"/>
           </a:bodyPr>
           <a:lstStyle/>
           <a:p>
@@ -8488,7 +8488,7 @@
             </a:r>
             <a:r>
               <a:rPr lang="en-US" dirty="0"/>
-              <a:t> is a novel approach for decoding LoRa packets in environments with high interference and low signal-to-noise ratios (SNR). </a:t>
+              <a:t> decodes LoRa packets in environments with high interference and low signal-to-noise ratios (SNR)</a:t>
             </a:r>
           </a:p>
           <a:p>
@@ -8499,14 +8499,14 @@
             </a:r>
             <a:r>
               <a:rPr lang="en-US" dirty="0"/>
-              <a:t> improves upon prior colliding packet decoding methods by leveraging the entire chirp signal rather than partial segments, allowing it to decode multiple overlapping packets more effectively.</a:t>
+              <a:t> improves upon prior colliding packet decoding methods by leveraging the entire chirp signal rather than partial segments</a:t>
             </a:r>
           </a:p>
           <a:p>
             <a:pPr lvl="1"/>
             <a:r>
               <a:rPr lang="en-US" dirty="0"/>
-              <a:t>The method uses both frequency constraints (to identify peaks for the same chirp across windows) and height constraints (proportionality of peak height to chirp alignment) to decode collided packets accurately.</a:t>
+              <a:t>The method uses both frequency constraints (to identify peaks for the same chirp across windows) and height constraints (proportionality of peak height to chirp alignment) to decode collided packets accurately</a:t>
             </a:r>
           </a:p>
           <a:p>
@@ -8517,18 +8517,14 @@
             </a:r>
             <a:r>
               <a:rPr lang="en-US" dirty="0"/>
-              <a:t> significantly pushes the decoding SNR limit, making it suitable for more challenging urban and dense LPWAN deployments.</a:t>
+              <a:t> outperforms existing solutions, achieving better packet reception rates in collision-heavy scenarios</a:t>
             </a:r>
           </a:p>
           <a:p>
             <a:pPr lvl="1"/>
             <a:r>
-              <a:rPr lang="en-US" dirty="0" err="1"/>
-              <a:t>AlignTrack</a:t>
-            </a:r>
-            <a:r>
               <a:rPr lang="en-US" dirty="0"/>
-              <a:t> outperforms existing solutions, achieving better packet reception rates in collision-heavy scenarios. Its design relies on precise alignment of chirps across signal windows to mitigate interference and decode with high accuracy.</a:t>
+              <a:t>Its design relies on precise alignment of chirps across signal windows to mitigate interference and decode with high accuracy</a:t>
             </a:r>
           </a:p>
         </p:txBody>
@@ -8679,7 +8675,7 @@
             </a:r>
             <a:r>
               <a:rPr lang="en-US" dirty="0"/>
-              <a:t> is a technique to address packet collisions in Low-Power Wide Area Networks (LPWANs) like LoRa.  It works by leveraging subtle inter-packet time offsets during collisions and converts these into robust frequency-domain features.</a:t>
+              <a:t> addresses packet collisions in Low-Power Wide Area Networks (LPWANs), similar to LoRa.  It works by leveraging subtle inter-packet time offsets during collisions and converts these into robust frequency-domain features.</a:t>
             </a:r>
           </a:p>
           <a:p>
@@ -8698,7 +8694,7 @@
             </a:r>
             <a:r>
               <a:rPr lang="en-US" dirty="0"/>
-              <a:t> is a system designed to enable multi-packet reception (MPR) in LoRa networks, </a:t>
+              <a:t> is a system designed to enable multi-packet reception (MPR) in LoRa networks.  </a:t>
             </a:r>
             <a:r>
               <a:rPr lang="en-US" dirty="0" err="1"/>
@@ -8706,7 +8702,7 @@
             </a:r>
             <a:r>
               <a:rPr lang="en-US" dirty="0"/>
-              <a:t> exploits the inherent chirp properties of LoRa packets and applies a novel signal processing technique to identify and separate collided signals. This involves using unaligned reception windows to process packet segments and isolate frequency peaks corresponding to individual transmitters.  Instead of processing one chirp at a time, </a:t>
+              <a:t> exploits the inherent chirp properties of LoRa packets and applies signal processing to identify and separate collided signals. This involves using unaligned reception windows to process packet segments and isolate frequency peaks corresponding to individual transmitters.  Instead of processing one chirp at a time, </a:t>
             </a:r>
             <a:r>
               <a:rPr lang="en-US" dirty="0" err="1"/>
@@ -9040,14 +9036,14 @@
         </p:spPr>
         <p:txBody>
           <a:bodyPr vert="horz" lIns="91440" tIns="45720" rIns="91440" bIns="45720" rtlCol="0" anchor="t">
-            <a:normAutofit/>
+            <a:normAutofit fontScale="92500" lnSpcReduction="10000"/>
           </a:bodyPr>
           <a:lstStyle/>
           <a:p>
             <a:pPr lvl="1"/>
             <a:r>
               <a:rPr lang="en-US" dirty="0"/>
-              <a:t>First, three packets are generated, added together with random time offsets for their starts (0% &lt; offset &lt; 50%), and finally random noise is applied to simulate the transmission of colliding LoRa packets</a:t>
+              <a:t>First, three packets are generated, added together with random start time offsets (0% &lt; offset &lt; 50%), and finally random noise is applied to simulate the transmission of colliding LoRa packets</a:t>
             </a:r>
           </a:p>
           <a:p>
@@ -9062,8 +9058,20 @@
             </a:r>
             <a:r>
               <a:rPr lang="en-US" dirty="0"/>
-              <a:t> algorithm determines the potential start positions of subsequent packets (after removing the influence of sidelobes in the FFT)</a:t>
-            </a:r>
+              <a:t> algorithm determines the potential start positions of other colliding packets (after removing the influence of sidelobes in the FFT)</a:t>
+            </a:r>
+          </a:p>
+          <a:p>
+            <a:pPr lvl="1"/>
+            <a:r>
+              <a:rPr lang="en-US" dirty="0"/>
+              <a:t>Windows are applied similarly at the prescribed times in the received signal, as determined by </a:t>
+            </a:r>
+            <a:r>
+              <a:rPr lang="en-US" dirty="0" err="1"/>
+              <a:t>AlignTrack</a:t>
+            </a:r>
+            <a:endParaRPr lang="en-US" dirty="0"/>
           </a:p>
           <a:p>
             <a:pPr lvl="1"/>
@@ -10192,6 +10200,26 @@
 </file>
 
 <file path=customXml/item1.xml><?xml version="1.0" encoding="utf-8"?>
+<p:properties xmlns:p="http://schemas.microsoft.com/office/2006/metadata/properties" xmlns:xsi="http://www.w3.org/2001/XMLSchema-instance" xmlns:pc="http://schemas.microsoft.com/office/infopath/2007/PartnerControls">
+  <documentManagement>
+    <_ip_UnifiedCompliancePolicyUIAction xmlns="http://schemas.microsoft.com/sharepoint/v3" xsi:nil="true"/>
+    <Image xmlns="71af3243-3dd4-4a8d-8c0d-dd76da1f02a5">
+      <Url xsi:nil="true"/>
+      <Description xsi:nil="true"/>
+    </Image>
+    <Status xmlns="71af3243-3dd4-4a8d-8c0d-dd76da1f02a5">Not started</Status>
+    <Background xmlns="71af3243-3dd4-4a8d-8c0d-dd76da1f02a5">false</Background>
+    <_ip_UnifiedCompliancePolicyProperties xmlns="http://schemas.microsoft.com/sharepoint/v3" xsi:nil="true"/>
+    <ImageTagsTaxHTField xmlns="71af3243-3dd4-4a8d-8c0d-dd76da1f02a5">
+      <Terms xmlns="http://schemas.microsoft.com/office/infopath/2007/PartnerControls"/>
+    </ImageTagsTaxHTField>
+    <TaxCatchAll xmlns="230e9df3-be65-4c73-a93b-d1236ebd677e" xsi:nil="true"/>
+    <MediaServiceKeyPoints xmlns="71af3243-3dd4-4a8d-8c0d-dd76da1f02a5" xsi:nil="true"/>
+  </documentManagement>
+</p:properties>
+</file>
+
+<file path=customXml/item2.xml><?xml version="1.0" encoding="utf-8"?>
 <ct:contentTypeSchema xmlns:ct="http://schemas.microsoft.com/office/2006/metadata/contentType" xmlns:ma="http://schemas.microsoft.com/office/2006/metadata/properties/metaAttributes" ct:_="" ma:_="" ma:contentTypeName="Document" ma:contentTypeID="0x01010079F111ED35F8CC479449609E8A0923A6" ma:contentTypeVersion="28" ma:contentTypeDescription="Create a new document." ma:contentTypeScope="" ma:versionID="60f5a4f2d2b0abadcf532d48ebf9cb71">
   <xsd:schema xmlns:xsd="http://www.w3.org/2001/XMLSchema" xmlns:xs="http://www.w3.org/2001/XMLSchema" xmlns:p="http://schemas.microsoft.com/office/2006/metadata/properties" xmlns:ns1="http://schemas.microsoft.com/sharepoint/v3" xmlns:ns2="71af3243-3dd4-4a8d-8c0d-dd76da1f02a5" xmlns:ns3="16c05727-aa75-4e4a-9b5f-8a80a1165891" xmlns:ns4="230e9df3-be65-4c73-a93b-d1236ebd677e" targetNamespace="http://schemas.microsoft.com/office/2006/metadata/properties" ma:root="true" ma:fieldsID="7dd78129e6a1811f84807ad11c651531" ns1:_="" ns2:_="" ns3:_="" ns4:_="">
     <xsd:import namespace="http://schemas.microsoft.com/sharepoint/v3"/>
@@ -10503,26 +10531,6 @@
 </ct:contentTypeSchema>
 </file>
 
-<file path=customXml/item2.xml><?xml version="1.0" encoding="utf-8"?>
-<p:properties xmlns:p="http://schemas.microsoft.com/office/2006/metadata/properties" xmlns:xsi="http://www.w3.org/2001/XMLSchema-instance" xmlns:pc="http://schemas.microsoft.com/office/infopath/2007/PartnerControls">
-  <documentManagement>
-    <_ip_UnifiedCompliancePolicyUIAction xmlns="http://schemas.microsoft.com/sharepoint/v3" xsi:nil="true"/>
-    <Image xmlns="71af3243-3dd4-4a8d-8c0d-dd76da1f02a5">
-      <Url xsi:nil="true"/>
-      <Description xsi:nil="true"/>
-    </Image>
-    <Status xmlns="71af3243-3dd4-4a8d-8c0d-dd76da1f02a5">Not started</Status>
-    <Background xmlns="71af3243-3dd4-4a8d-8c0d-dd76da1f02a5">false</Background>
-    <_ip_UnifiedCompliancePolicyProperties xmlns="http://schemas.microsoft.com/sharepoint/v3" xsi:nil="true"/>
-    <ImageTagsTaxHTField xmlns="71af3243-3dd4-4a8d-8c0d-dd76da1f02a5">
-      <Terms xmlns="http://schemas.microsoft.com/office/infopath/2007/PartnerControls"/>
-    </ImageTagsTaxHTField>
-    <TaxCatchAll xmlns="230e9df3-be65-4c73-a93b-d1236ebd677e" xsi:nil="true"/>
-    <MediaServiceKeyPoints xmlns="71af3243-3dd4-4a8d-8c0d-dd76da1f02a5" xsi:nil="true"/>
-  </documentManagement>
-</p:properties>
-</file>
-
 <file path=customXml/item3.xml><?xml version="1.0" encoding="utf-8"?>
 <?mso-contentType ?>
 <FormTemplates xmlns="http://schemas.microsoft.com/sharepoint/v3/contenttype/forms">
@@ -10533,6 +10541,25 @@
 </file>
 
 <file path=customXml/itemProps1.xml><?xml version="1.0" encoding="utf-8"?>
+<ds:datastoreItem xmlns:ds="http://schemas.openxmlformats.org/officeDocument/2006/customXml" ds:itemID="{3C20BE78-9FDF-401B-B412-3AA10EC5BEA3}">
+  <ds:schemaRefs>
+    <ds:schemaRef ds:uri="http://purl.org/dc/terms/"/>
+    <ds:schemaRef ds:uri="http://www.w3.org/XML/1998/namespace"/>
+    <ds:schemaRef ds:uri="http://schemas.openxmlformats.org/package/2006/metadata/core-properties"/>
+    <ds:schemaRef ds:uri="http://schemas.microsoft.com/office/infopath/2007/PartnerControls"/>
+    <ds:schemaRef ds:uri="http://purl.org/dc/dcmitype/"/>
+    <ds:schemaRef ds:uri="http://schemas.microsoft.com/office/2006/documentManagement/types"/>
+    <ds:schemaRef ds:uri="16c05727-aa75-4e4a-9b5f-8a80a1165891"/>
+    <ds:schemaRef ds:uri="http://purl.org/dc/elements/1.1/"/>
+    <ds:schemaRef ds:uri="230e9df3-be65-4c73-a93b-d1236ebd677e"/>
+    <ds:schemaRef ds:uri="71af3243-3dd4-4a8d-8c0d-dd76da1f02a5"/>
+    <ds:schemaRef ds:uri="http://schemas.microsoft.com/sharepoint/v3"/>
+    <ds:schemaRef ds:uri="http://schemas.microsoft.com/office/2006/metadata/properties"/>
+  </ds:schemaRefs>
+</ds:datastoreItem>
+</file>
+
+<file path=customXml/itemProps2.xml><?xml version="1.0" encoding="utf-8"?>
 <ds:datastoreItem xmlns:ds="http://schemas.openxmlformats.org/officeDocument/2006/customXml" ds:itemID="{1C180A77-4928-484F-9529-F716C85D6A6D}">
   <ds:schemaRefs>
     <ds:schemaRef ds:uri="http://schemas.microsoft.com/office/2006/metadata/contentType"/>
@@ -10553,25 +10580,6 @@
 </ds:datastoreItem>
 </file>
 
-<file path=customXml/itemProps2.xml><?xml version="1.0" encoding="utf-8"?>
-<ds:datastoreItem xmlns:ds="http://schemas.openxmlformats.org/officeDocument/2006/customXml" ds:itemID="{3C20BE78-9FDF-401B-B412-3AA10EC5BEA3}">
-  <ds:schemaRefs>
-    <ds:schemaRef ds:uri="http://purl.org/dc/terms/"/>
-    <ds:schemaRef ds:uri="http://www.w3.org/XML/1998/namespace"/>
-    <ds:schemaRef ds:uri="http://schemas.openxmlformats.org/package/2006/metadata/core-properties"/>
-    <ds:schemaRef ds:uri="http://schemas.microsoft.com/office/infopath/2007/PartnerControls"/>
-    <ds:schemaRef ds:uri="http://purl.org/dc/dcmitype/"/>
-    <ds:schemaRef ds:uri="http://schemas.microsoft.com/office/2006/documentManagement/types"/>
-    <ds:schemaRef ds:uri="16c05727-aa75-4e4a-9b5f-8a80a1165891"/>
-    <ds:schemaRef ds:uri="http://purl.org/dc/elements/1.1/"/>
-    <ds:schemaRef ds:uri="230e9df3-be65-4c73-a93b-d1236ebd677e"/>
-    <ds:schemaRef ds:uri="71af3243-3dd4-4a8d-8c0d-dd76da1f02a5"/>
-    <ds:schemaRef ds:uri="http://schemas.microsoft.com/sharepoint/v3"/>
-    <ds:schemaRef ds:uri="http://schemas.microsoft.com/office/2006/metadata/properties"/>
-  </ds:schemaRefs>
-</ds:datastoreItem>
-</file>
-
 <file path=customXml/itemProps3.xml><?xml version="1.0" encoding="utf-8"?>
 <ds:datastoreItem xmlns:ds="http://schemas.openxmlformats.org/officeDocument/2006/customXml" ds:itemID="{30E62E91-3991-445A-ADE0-DB143B39320F}">
   <ds:schemaRefs>
